--- a/docs/BIOT presentation.pptx
+++ b/docs/BIOT presentation.pptx
@@ -111,7 +111,64 @@
       </a:defRPr>
     </a:lvl9pPr>
   </p:defaultTextStyle>
+  <p:extLst>
+    <p:ext uri="{EFAFB233-063F-42B5-8137-9DF3F51BA10A}">
+      <p15:sldGuideLst xmlns:p15="http://schemas.microsoft.com/office/powerpoint/2012/main"/>
+    </p:ext>
+  </p:extLst>
 </p:presentation>
+</file>
+
+<file path=ppt/changesInfos/changesInfo1.xml><?xml version="1.0" encoding="utf-8"?>
+<pc:chgInfo xmlns:a="http://schemas.openxmlformats.org/drawingml/2006/main" xmlns:r="http://schemas.openxmlformats.org/officeDocument/2006/relationships" xmlns:ac="http://schemas.microsoft.com/office/drawing/2013/main/command" xmlns:pc="http://schemas.microsoft.com/office/powerpoint/2013/main/command">
+  <pc:docChgLst>
+    <pc:chgData name="Rado Pramatarov" userId="409a161ef21dc6ac" providerId="LiveId" clId="{7D549916-EFFB-4F78-94C5-B5A33A428117}"/>
+    <pc:docChg chg="undo custSel modSld">
+      <pc:chgData name="Rado Pramatarov" userId="409a161ef21dc6ac" providerId="LiveId" clId="{7D549916-EFFB-4F78-94C5-B5A33A428117}" dt="2023-05-30T16:54:58.424" v="88" actId="12"/>
+      <pc:docMkLst>
+        <pc:docMk/>
+      </pc:docMkLst>
+      <pc:sldChg chg="addSp delSp modSp mod">
+        <pc:chgData name="Rado Pramatarov" userId="409a161ef21dc6ac" providerId="LiveId" clId="{7D549916-EFFB-4F78-94C5-B5A33A428117}" dt="2023-05-30T16:50:15.341" v="5" actId="12788"/>
+        <pc:sldMkLst>
+          <pc:docMk/>
+          <pc:sldMk cId="3013628409" sldId="256"/>
+        </pc:sldMkLst>
+        <pc:picChg chg="add mod">
+          <ac:chgData name="Rado Pramatarov" userId="409a161ef21dc6ac" providerId="LiveId" clId="{7D549916-EFFB-4F78-94C5-B5A33A428117}" dt="2023-05-30T16:50:15.341" v="5" actId="12788"/>
+          <ac:picMkLst>
+            <pc:docMk/>
+            <pc:sldMk cId="3013628409" sldId="256"/>
+            <ac:picMk id="3" creationId="{A5AA6496-1FCE-C6A9-F8F3-E77A22259E49}"/>
+          </ac:picMkLst>
+        </pc:picChg>
+        <pc:picChg chg="del">
+          <ac:chgData name="Rado Pramatarov" userId="409a161ef21dc6ac" providerId="LiveId" clId="{7D549916-EFFB-4F78-94C5-B5A33A428117}" dt="2023-05-30T16:49:22.761" v="0" actId="478"/>
+          <ac:picMkLst>
+            <pc:docMk/>
+            <pc:sldMk cId="3013628409" sldId="256"/>
+            <ac:picMk id="5" creationId="{A7F1DADD-1206-F8B2-B2C1-94B8E99050B5}"/>
+          </ac:picMkLst>
+        </pc:picChg>
+      </pc:sldChg>
+      <pc:sldChg chg="addSp modSp mod">
+        <pc:chgData name="Rado Pramatarov" userId="409a161ef21dc6ac" providerId="LiveId" clId="{7D549916-EFFB-4F78-94C5-B5A33A428117}" dt="2023-05-30T16:54:58.424" v="88" actId="12"/>
+        <pc:sldMkLst>
+          <pc:docMk/>
+          <pc:sldMk cId="3551456843" sldId="258"/>
+        </pc:sldMkLst>
+        <pc:spChg chg="add mod">
+          <ac:chgData name="Rado Pramatarov" userId="409a161ef21dc6ac" providerId="LiveId" clId="{7D549916-EFFB-4F78-94C5-B5A33A428117}" dt="2023-05-30T16:54:58.424" v="88" actId="12"/>
+          <ac:spMkLst>
+            <pc:docMk/>
+            <pc:sldMk cId="3551456843" sldId="258"/>
+            <ac:spMk id="3" creationId="{5F43A403-E11E-C9F0-6A38-3B4F3194CCA4}"/>
+          </ac:spMkLst>
+        </pc:spChg>
+      </pc:sldChg>
+    </pc:docChg>
+  </pc:docChgLst>
+</pc:chgInfo>
 </file>
 
 <file path=ppt/notesMasters/notesMaster1.xml><?xml version="1.0" encoding="utf-8"?>
@@ -196,7 +253,7 @@
           <a:p>
             <a:fld id="{9CEE7B91-CCE9-44D1-8E2A-D92A1BABC685}" type="datetimeFigureOut">
               <a:rPr lang="en-US" smtClean="0"/>
-              <a:t>5/29/2023</a:t>
+              <a:t>5/30/2023</a:t>
             </a:fld>
             <a:endParaRPr lang="en-US"/>
           </a:p>
@@ -610,7 +667,7 @@
           <a:p>
             <a:fld id="{12639358-95CB-4B8B-9BF2-78932A3E0E7B}" type="datetimeFigureOut">
               <a:rPr lang="en-US" smtClean="0"/>
-              <a:t>5/29/2023</a:t>
+              <a:t>5/30/2023</a:t>
             </a:fld>
             <a:endParaRPr lang="en-US"/>
           </a:p>
@@ -808,7 +865,7 @@
           <a:p>
             <a:fld id="{12639358-95CB-4B8B-9BF2-78932A3E0E7B}" type="datetimeFigureOut">
               <a:rPr lang="en-US" smtClean="0"/>
-              <a:t>5/29/2023</a:t>
+              <a:t>5/30/2023</a:t>
             </a:fld>
             <a:endParaRPr lang="en-US"/>
           </a:p>
@@ -1016,7 +1073,7 @@
           <a:p>
             <a:fld id="{12639358-95CB-4B8B-9BF2-78932A3E0E7B}" type="datetimeFigureOut">
               <a:rPr lang="en-US" smtClean="0"/>
-              <a:t>5/29/2023</a:t>
+              <a:t>5/30/2023</a:t>
             </a:fld>
             <a:endParaRPr lang="en-US"/>
           </a:p>
@@ -1214,7 +1271,7 @@
           <a:p>
             <a:fld id="{12639358-95CB-4B8B-9BF2-78932A3E0E7B}" type="datetimeFigureOut">
               <a:rPr lang="en-US" smtClean="0"/>
-              <a:t>5/29/2023</a:t>
+              <a:t>5/30/2023</a:t>
             </a:fld>
             <a:endParaRPr lang="en-US"/>
           </a:p>
@@ -1489,7 +1546,7 @@
           <a:p>
             <a:fld id="{12639358-95CB-4B8B-9BF2-78932A3E0E7B}" type="datetimeFigureOut">
               <a:rPr lang="en-US" smtClean="0"/>
-              <a:t>5/29/2023</a:t>
+              <a:t>5/30/2023</a:t>
             </a:fld>
             <a:endParaRPr lang="en-US"/>
           </a:p>
@@ -1754,7 +1811,7 @@
           <a:p>
             <a:fld id="{12639358-95CB-4B8B-9BF2-78932A3E0E7B}" type="datetimeFigureOut">
               <a:rPr lang="en-US" smtClean="0"/>
-              <a:t>5/29/2023</a:t>
+              <a:t>5/30/2023</a:t>
             </a:fld>
             <a:endParaRPr lang="en-US"/>
           </a:p>
@@ -2166,7 +2223,7 @@
           <a:p>
             <a:fld id="{12639358-95CB-4B8B-9BF2-78932A3E0E7B}" type="datetimeFigureOut">
               <a:rPr lang="en-US" smtClean="0"/>
-              <a:t>5/29/2023</a:t>
+              <a:t>5/30/2023</a:t>
             </a:fld>
             <a:endParaRPr lang="en-US"/>
           </a:p>
@@ -2307,7 +2364,7 @@
           <a:p>
             <a:fld id="{12639358-95CB-4B8B-9BF2-78932A3E0E7B}" type="datetimeFigureOut">
               <a:rPr lang="en-US" smtClean="0"/>
-              <a:t>5/29/2023</a:t>
+              <a:t>5/30/2023</a:t>
             </a:fld>
             <a:endParaRPr lang="en-US"/>
           </a:p>
@@ -2420,7 +2477,7 @@
           <a:p>
             <a:fld id="{12639358-95CB-4B8B-9BF2-78932A3E0E7B}" type="datetimeFigureOut">
               <a:rPr lang="en-US" smtClean="0"/>
-              <a:t>5/29/2023</a:t>
+              <a:t>5/30/2023</a:t>
             </a:fld>
             <a:endParaRPr lang="en-US"/>
           </a:p>
@@ -2731,7 +2788,7 @@
           <a:p>
             <a:fld id="{12639358-95CB-4B8B-9BF2-78932A3E0E7B}" type="datetimeFigureOut">
               <a:rPr lang="en-US" smtClean="0"/>
-              <a:t>5/29/2023</a:t>
+              <a:t>5/30/2023</a:t>
             </a:fld>
             <a:endParaRPr lang="en-US"/>
           </a:p>
@@ -3019,7 +3076,7 @@
           <a:p>
             <a:fld id="{12639358-95CB-4B8B-9BF2-78932A3E0E7B}" type="datetimeFigureOut">
               <a:rPr lang="en-US" smtClean="0"/>
-              <a:t>5/29/2023</a:t>
+              <a:t>5/30/2023</a:t>
             </a:fld>
             <a:endParaRPr lang="en-US"/>
           </a:p>
@@ -3260,7 +3317,7 @@
           <a:p>
             <a:fld id="{12639358-95CB-4B8B-9BF2-78932A3E0E7B}" type="datetimeFigureOut">
               <a:rPr lang="en-US" smtClean="0"/>
-              <a:t>5/29/2023</a:t>
+              <a:t>5/30/2023</a:t>
             </a:fld>
             <a:endParaRPr lang="en-US"/>
           </a:p>
@@ -3679,10 +3736,10 @@
       </p:grpSpPr>
       <p:pic>
         <p:nvPicPr>
-          <p:cNvPr id="5" name="Picture 4">
-            <a:extLst>
-              <a:ext uri="{FF2B5EF4-FFF2-40B4-BE49-F238E27FC236}">
-                <a16:creationId xmlns:a16="http://schemas.microsoft.com/office/drawing/2014/main" id="{A7F1DADD-1206-F8B2-B2C1-94B8E99050B5}"/>
+          <p:cNvPr id="3" name="Graphic 2">
+            <a:extLst>
+              <a:ext uri="{FF2B5EF4-FFF2-40B4-BE49-F238E27FC236}">
+                <a16:creationId xmlns:a16="http://schemas.microsoft.com/office/drawing/2014/main" id="{A5AA6496-1FCE-C6A9-F8F3-E77A22259E49}"/>
               </a:ext>
             </a:extLst>
           </p:cNvPr>
@@ -3697,6 +3754,9 @@
               <a:ext uri="{28A0092B-C50C-407E-A947-70E740481C1C}">
                 <a14:useLocalDpi xmlns:a14="http://schemas.microsoft.com/office/drawing/2010/main" val="0"/>
               </a:ext>
+              <a:ext uri="{96DAC541-7B7A-43D3-8B79-37D633B846F1}">
+                <asvg:svgBlip xmlns:asvg="http://schemas.microsoft.com/office/drawing/2016/SVG/main" r:embed="rId3"/>
+              </a:ext>
             </a:extLst>
           </a:blip>
           <a:stretch>
@@ -3705,8 +3765,8 @@
         </p:blipFill>
         <p:spPr>
           <a:xfrm>
-            <a:off x="2774539" y="2160639"/>
-            <a:ext cx="7175299" cy="2536722"/>
+            <a:off x="2682970" y="1994154"/>
+            <a:ext cx="6826061" cy="2413254"/>
           </a:xfrm>
           <a:prstGeom prst="rect">
             <a:avLst/>
@@ -3723,13 +3783,13 @@
   <p:clrMapOvr>
     <a:masterClrMapping/>
   </p:clrMapOvr>
-  <mc:AlternateContent xmlns:mc="http://schemas.openxmlformats.org/markup-compatibility/2006">
-    <mc:Choice xmlns:p159="http://schemas.microsoft.com/office/powerpoint/2015/09/main" Requires="p159">
+  <mc:AlternateContent xmlns:mc="http://schemas.openxmlformats.org/markup-compatibility/2006" xmlns:p159="http://schemas.microsoft.com/office/powerpoint/2015/09/main">
+    <mc:Choice Requires="p159">
       <p:transition xmlns:p14="http://schemas.microsoft.com/office/powerpoint/2010/main" spd="slow" p14:dur="2000">
         <p159:morph option="byObject"/>
       </p:transition>
     </mc:Choice>
-    <mc:Fallback>
+    <mc:Fallback xmlns="">
       <p:transition spd="slow">
         <p:fade/>
       </p:transition>
@@ -3988,13 +4048,13 @@
   <p:clrMapOvr>
     <a:masterClrMapping/>
   </p:clrMapOvr>
-  <mc:AlternateContent xmlns:mc="http://schemas.openxmlformats.org/markup-compatibility/2006">
-    <mc:Choice xmlns:p159="http://schemas.microsoft.com/office/powerpoint/2015/09/main" Requires="p159">
+  <mc:AlternateContent xmlns:mc="http://schemas.openxmlformats.org/markup-compatibility/2006" xmlns:p159="http://schemas.microsoft.com/office/powerpoint/2015/09/main">
+    <mc:Choice Requires="p159">
       <p:transition xmlns:p14="http://schemas.microsoft.com/office/powerpoint/2010/main" spd="slow" p14:dur="2000">
         <p159:morph option="byObject"/>
       </p:transition>
     </mc:Choice>
-    <mc:Fallback>
+    <mc:Fallback xmlns="">
       <p:transition spd="slow">
         <p:fade/>
       </p:transition>
@@ -4049,6 +4109,167 @@
           </a:p>
         </p:txBody>
       </p:sp>
+      <p:sp>
+        <p:nvSpPr>
+          <p:cNvPr id="3" name="TextBox 2">
+            <a:extLst>
+              <a:ext uri="{FF2B5EF4-FFF2-40B4-BE49-F238E27FC236}">
+                <a16:creationId xmlns:a16="http://schemas.microsoft.com/office/drawing/2014/main" id="{5F43A403-E11E-C9F0-6A38-3B4F3194CCA4}"/>
+              </a:ext>
+            </a:extLst>
+          </p:cNvPr>
+          <p:cNvSpPr txBox="1"/>
+          <p:nvPr/>
+        </p:nvSpPr>
+        <p:spPr>
+          <a:xfrm>
+            <a:off x="612648" y="1874520"/>
+            <a:ext cx="10853928" cy="3416320"/>
+          </a:xfrm>
+          <a:prstGeom prst="rect">
+            <a:avLst/>
+          </a:prstGeom>
+          <a:noFill/>
+        </p:spPr>
+        <p:txBody>
+          <a:bodyPr wrap="square" rtlCol="0">
+            <a:spAutoFit/>
+          </a:bodyPr>
+          <a:lstStyle/>
+          <a:p>
+            <a:pPr marL="342900" indent="-342900" algn="l" fontAlgn="auto">
+              <a:buFont typeface="+mj-lt"/>
+              <a:buAutoNum type="arabicPeriod"/>
+            </a:pPr>
+            <a:r>
+              <a:rPr lang="en-US" b="0" i="0" dirty="0">
+                <a:solidFill>
+                  <a:srgbClr val="000000"/>
+                </a:solidFill>
+                <a:effectLst/>
+                <a:latin typeface="Satoshi"/>
+              </a:rPr>
+              <a:t>Planning: In this stage, the website's purpose, target audience, and goals are defined. The website's content and structure are also planned, including the number of pages, site map, and wireframes.</a:t>
+            </a:r>
+          </a:p>
+          <a:p>
+            <a:pPr marL="342900" indent="-342900" algn="l" fontAlgn="auto">
+              <a:buFont typeface="+mj-lt"/>
+              <a:buAutoNum type="arabicPeriod"/>
+            </a:pPr>
+            <a:endParaRPr lang="en-US" b="0" i="0" dirty="0">
+              <a:solidFill>
+                <a:srgbClr val="000000"/>
+              </a:solidFill>
+              <a:effectLst/>
+              <a:latin typeface="Satoshi"/>
+            </a:endParaRPr>
+          </a:p>
+          <a:p>
+            <a:pPr marL="342900" indent="-342900" algn="l" fontAlgn="auto">
+              <a:buFont typeface="+mj-lt"/>
+              <a:buAutoNum type="arabicPeriod"/>
+            </a:pPr>
+            <a:r>
+              <a:rPr lang="en-US" b="0" i="0" dirty="0">
+                <a:solidFill>
+                  <a:srgbClr val="000000"/>
+                </a:solidFill>
+                <a:effectLst/>
+                <a:latin typeface="Satoshi"/>
+              </a:rPr>
+              <a:t>Design: In this stage, the website's visual design is created, including the layout, color scheme, typography, and graphics. The website's design should align with the brand's identity and target audience.</a:t>
+            </a:r>
+          </a:p>
+          <a:p>
+            <a:pPr marL="342900" indent="-342900" algn="l" fontAlgn="auto">
+              <a:buFont typeface="+mj-lt"/>
+              <a:buAutoNum type="arabicPeriod"/>
+            </a:pPr>
+            <a:endParaRPr lang="en-US" b="0" i="0" dirty="0">
+              <a:solidFill>
+                <a:srgbClr val="000000"/>
+              </a:solidFill>
+              <a:effectLst/>
+              <a:latin typeface="Satoshi"/>
+            </a:endParaRPr>
+          </a:p>
+          <a:p>
+            <a:pPr marL="342900" indent="-342900" algn="l" fontAlgn="auto">
+              <a:buFont typeface="+mj-lt"/>
+              <a:buAutoNum type="arabicPeriod"/>
+            </a:pPr>
+            <a:r>
+              <a:rPr lang="en-US" b="0" i="0" dirty="0">
+                <a:solidFill>
+                  <a:srgbClr val="000000"/>
+                </a:solidFill>
+                <a:effectLst/>
+                <a:latin typeface="Satoshi"/>
+              </a:rPr>
+              <a:t>Development: In this stage, the website's code is developed, and the website is built using HTML, CSS, and JavaScript. The website's functionality and interactivity are also developed, including </a:t>
+            </a:r>
+            <a:r>
+              <a:rPr lang="en-US" b="0" i="0" dirty="0" err="1">
+                <a:solidFill>
+                  <a:srgbClr val="000000"/>
+                </a:solidFill>
+                <a:effectLst/>
+                <a:latin typeface="Satoshi"/>
+              </a:rPr>
+              <a:t>forms,</a:t>
+            </a:r>
+            <a:r>
+              <a:rPr lang="en-US" dirty="0" err="1">
+                <a:solidFill>
+                  <a:srgbClr val="000000"/>
+                </a:solidFill>
+                <a:latin typeface="Satoshi"/>
+              </a:rPr>
+              <a:t>pages</a:t>
+            </a:r>
+            <a:r>
+              <a:rPr lang="en-US" b="0" i="0" dirty="0">
+                <a:solidFill>
+                  <a:srgbClr val="000000"/>
+                </a:solidFill>
+                <a:effectLst/>
+                <a:latin typeface="Satoshi"/>
+              </a:rPr>
+              <a:t>, and other features.</a:t>
+            </a:r>
+          </a:p>
+          <a:p>
+            <a:pPr marL="342900" indent="-342900" algn="l" fontAlgn="auto">
+              <a:buFont typeface="+mj-lt"/>
+              <a:buAutoNum type="arabicPeriod"/>
+            </a:pPr>
+            <a:endParaRPr lang="en-US" b="0" i="0" dirty="0">
+              <a:solidFill>
+                <a:srgbClr val="000000"/>
+              </a:solidFill>
+              <a:effectLst/>
+              <a:latin typeface="Satoshi"/>
+            </a:endParaRPr>
+          </a:p>
+          <a:p>
+            <a:pPr marL="342900" indent="-342900" algn="l" fontAlgn="auto">
+              <a:buFont typeface="+mj-lt"/>
+              <a:buAutoNum type="arabicPeriod"/>
+            </a:pPr>
+            <a:r>
+              <a:rPr lang="en-US" b="0" i="0" dirty="0">
+                <a:solidFill>
+                  <a:srgbClr val="000000"/>
+                </a:solidFill>
+                <a:effectLst/>
+                <a:latin typeface="Satoshi"/>
+              </a:rPr>
+              <a:t>Launch: In this stage, the website is launched and made available to the public. The website is also optimized for search engines, and analytics are set up to track the website's performance.</a:t>
+            </a:r>
+          </a:p>
+        </p:txBody>
+      </p:sp>
     </p:spTree>
     <p:extLst>
       <p:ext uri="{BB962C8B-B14F-4D97-AF65-F5344CB8AC3E}">
@@ -4059,13 +4280,13 @@
   <p:clrMapOvr>
     <a:masterClrMapping/>
   </p:clrMapOvr>
-  <mc:AlternateContent xmlns:mc="http://schemas.openxmlformats.org/markup-compatibility/2006">
-    <mc:Choice xmlns:p159="http://schemas.microsoft.com/office/powerpoint/2015/09/main" Requires="p159">
+  <mc:AlternateContent xmlns:mc="http://schemas.openxmlformats.org/markup-compatibility/2006" xmlns:p159="http://schemas.microsoft.com/office/powerpoint/2015/09/main">
+    <mc:Choice Requires="p159">
       <p:transition xmlns:p14="http://schemas.microsoft.com/office/powerpoint/2010/main" spd="slow" p14:dur="2000">
         <p159:morph option="byObject"/>
       </p:transition>
     </mc:Choice>
-    <mc:Fallback>
+    <mc:Fallback xmlns="">
       <p:transition spd="slow">
         <p:fade/>
       </p:transition>
@@ -4562,13 +4783,13 @@
   <p:clrMapOvr>
     <a:masterClrMapping/>
   </p:clrMapOvr>
-  <mc:AlternateContent xmlns:mc="http://schemas.openxmlformats.org/markup-compatibility/2006">
-    <mc:Choice xmlns:p159="http://schemas.microsoft.com/office/powerpoint/2015/09/main" Requires="p159">
+  <mc:AlternateContent xmlns:mc="http://schemas.openxmlformats.org/markup-compatibility/2006" xmlns:p159="http://schemas.microsoft.com/office/powerpoint/2015/09/main">
+    <mc:Choice Requires="p159">
       <p:transition xmlns:p14="http://schemas.microsoft.com/office/powerpoint/2010/main" spd="slow" p14:dur="2000">
         <p159:morph option="byObject"/>
       </p:transition>
     </mc:Choice>
-    <mc:Fallback>
+    <mc:Fallback xmlns="">
       <p:transition spd="slow">
         <p:fade/>
       </p:transition>
@@ -4640,7 +4861,7 @@
           <a:bodyPr/>
           <a:lstStyle/>
           <a:p>
-            <a:endParaRPr lang="en-US"/>
+            <a:endParaRPr lang="en-US" dirty="0"/>
           </a:p>
         </p:txBody>
       </p:sp>
@@ -4654,13 +4875,13 @@
   <p:clrMapOvr>
     <a:masterClrMapping/>
   </p:clrMapOvr>
-  <mc:AlternateContent xmlns:mc="http://schemas.openxmlformats.org/markup-compatibility/2006">
-    <mc:Choice xmlns:p159="http://schemas.microsoft.com/office/powerpoint/2015/09/main" Requires="p159">
+  <mc:AlternateContent xmlns:mc="http://schemas.openxmlformats.org/markup-compatibility/2006" xmlns:p159="http://schemas.microsoft.com/office/powerpoint/2015/09/main">
+    <mc:Choice Requires="p159">
       <p:transition xmlns:p14="http://schemas.microsoft.com/office/powerpoint/2010/main" spd="slow" p14:dur="2000">
         <p159:morph option="byObject"/>
       </p:transition>
     </mc:Choice>
-    <mc:Fallback>
+    <mc:Fallback xmlns="">
       <p:transition spd="slow">
         <p:fade/>
       </p:transition>
